--- a/[JAVA]/C4/TA20/ta20.pptx
+++ b/[JAVA]/C4/TA20/ta20.pptx
@@ -7,6 +7,9 @@
   <p:sldIdLst>
     <p:sldId id="260" r:id="rId2"/>
     <p:sldId id="268" r:id="rId3"/>
+    <p:sldId id="269" r:id="rId4"/>
+    <p:sldId id="270" r:id="rId5"/>
+    <p:sldId id="271" r:id="rId6"/>
   </p:sldIdLst>
   <p:sldSz cx="12192000" cy="6858000"/>
   <p:notesSz cx="6858000" cy="9144000"/>
@@ -260,7 +263,7 @@
           <a:p>
             <a:fld id="{D8438D0A-D9A6-457A-9BDE-EC1985CB34E9}" type="datetimeFigureOut">
               <a:rPr lang="es-ES" smtClean="0"/>
-              <a:t>23/05/2024</a:t>
+              <a:t>27/05/2024</a:t>
             </a:fld>
             <a:endParaRPr lang="es-ES"/>
           </a:p>
@@ -458,7 +461,7 @@
           <a:p>
             <a:fld id="{D8438D0A-D9A6-457A-9BDE-EC1985CB34E9}" type="datetimeFigureOut">
               <a:rPr lang="es-ES" smtClean="0"/>
-              <a:t>23/05/2024</a:t>
+              <a:t>27/05/2024</a:t>
             </a:fld>
             <a:endParaRPr lang="es-ES"/>
           </a:p>
@@ -666,7 +669,7 @@
           <a:p>
             <a:fld id="{D8438D0A-D9A6-457A-9BDE-EC1985CB34E9}" type="datetimeFigureOut">
               <a:rPr lang="es-ES" smtClean="0"/>
-              <a:t>23/05/2024</a:t>
+              <a:t>27/05/2024</a:t>
             </a:fld>
             <a:endParaRPr lang="es-ES"/>
           </a:p>
@@ -864,7 +867,7 @@
           <a:p>
             <a:fld id="{D8438D0A-D9A6-457A-9BDE-EC1985CB34E9}" type="datetimeFigureOut">
               <a:rPr lang="es-ES" smtClean="0"/>
-              <a:t>23/05/2024</a:t>
+              <a:t>27/05/2024</a:t>
             </a:fld>
             <a:endParaRPr lang="es-ES"/>
           </a:p>
@@ -1139,7 +1142,7 @@
           <a:p>
             <a:fld id="{D8438D0A-D9A6-457A-9BDE-EC1985CB34E9}" type="datetimeFigureOut">
               <a:rPr lang="es-ES" smtClean="0"/>
-              <a:t>23/05/2024</a:t>
+              <a:t>27/05/2024</a:t>
             </a:fld>
             <a:endParaRPr lang="es-ES"/>
           </a:p>
@@ -1404,7 +1407,7 @@
           <a:p>
             <a:fld id="{D8438D0A-D9A6-457A-9BDE-EC1985CB34E9}" type="datetimeFigureOut">
               <a:rPr lang="es-ES" smtClean="0"/>
-              <a:t>23/05/2024</a:t>
+              <a:t>27/05/2024</a:t>
             </a:fld>
             <a:endParaRPr lang="es-ES"/>
           </a:p>
@@ -1816,7 +1819,7 @@
           <a:p>
             <a:fld id="{D8438D0A-D9A6-457A-9BDE-EC1985CB34E9}" type="datetimeFigureOut">
               <a:rPr lang="es-ES" smtClean="0"/>
-              <a:t>23/05/2024</a:t>
+              <a:t>27/05/2024</a:t>
             </a:fld>
             <a:endParaRPr lang="es-ES"/>
           </a:p>
@@ -1957,7 +1960,7 @@
           <a:p>
             <a:fld id="{D8438D0A-D9A6-457A-9BDE-EC1985CB34E9}" type="datetimeFigureOut">
               <a:rPr lang="es-ES" smtClean="0"/>
-              <a:t>23/05/2024</a:t>
+              <a:t>27/05/2024</a:t>
             </a:fld>
             <a:endParaRPr lang="es-ES"/>
           </a:p>
@@ -2070,7 +2073,7 @@
           <a:p>
             <a:fld id="{D8438D0A-D9A6-457A-9BDE-EC1985CB34E9}" type="datetimeFigureOut">
               <a:rPr lang="es-ES" smtClean="0"/>
-              <a:t>23/05/2024</a:t>
+              <a:t>27/05/2024</a:t>
             </a:fld>
             <a:endParaRPr lang="es-ES"/>
           </a:p>
@@ -2381,7 +2384,7 @@
           <a:p>
             <a:fld id="{D8438D0A-D9A6-457A-9BDE-EC1985CB34E9}" type="datetimeFigureOut">
               <a:rPr lang="es-ES" smtClean="0"/>
-              <a:t>23/05/2024</a:t>
+              <a:t>27/05/2024</a:t>
             </a:fld>
             <a:endParaRPr lang="es-ES"/>
           </a:p>
@@ -2669,7 +2672,7 @@
           <a:p>
             <a:fld id="{D8438D0A-D9A6-457A-9BDE-EC1985CB34E9}" type="datetimeFigureOut">
               <a:rPr lang="es-ES" smtClean="0"/>
-              <a:t>23/05/2024</a:t>
+              <a:t>27/05/2024</a:t>
             </a:fld>
             <a:endParaRPr lang="es-ES"/>
           </a:p>
@@ -2910,7 +2913,7 @@
           <a:p>
             <a:fld id="{D8438D0A-D9A6-457A-9BDE-EC1985CB34E9}" type="datetimeFigureOut">
               <a:rPr lang="es-ES" smtClean="0"/>
-              <a:t>23/05/2024</a:t>
+              <a:t>27/05/2024</a:t>
             </a:fld>
             <a:endParaRPr lang="es-ES"/>
           </a:p>
@@ -3481,10 +3484,10 @@
       </p:pic>
       <p:pic>
         <p:nvPicPr>
-          <p:cNvPr id="5" name="Imagen 4">
-            <a:extLst>
-              <a:ext uri="{FF2B5EF4-FFF2-40B4-BE49-F238E27FC236}">
-                <a16:creationId xmlns:a16="http://schemas.microsoft.com/office/drawing/2014/main" id="{F194C836-2582-61FA-3781-9EC94D9FA2E7}"/>
+          <p:cNvPr id="4" name="Imagen 3">
+            <a:extLst>
+              <a:ext uri="{FF2B5EF4-FFF2-40B4-BE49-F238E27FC236}">
+                <a16:creationId xmlns:a16="http://schemas.microsoft.com/office/drawing/2014/main" id="{4C851970-EE86-D2F1-644D-631F5FA380A3}"/>
               </a:ext>
             </a:extLst>
           </p:cNvPr>
@@ -3501,8 +3504,466 @@
         </p:blipFill>
         <p:spPr>
           <a:xfrm>
-            <a:off x="8114279" y="336369"/>
-            <a:ext cx="3711262" cy="2903472"/>
+            <a:off x="8390221" y="336369"/>
+            <a:ext cx="3139712" cy="2834886"/>
+          </a:xfrm>
+          <a:prstGeom prst="rect">
+            <a:avLst/>
+          </a:prstGeom>
+        </p:spPr>
+      </p:pic>
+      <p:pic>
+        <p:nvPicPr>
+          <p:cNvPr id="7" name="Imagen 6">
+            <a:extLst>
+              <a:ext uri="{FF2B5EF4-FFF2-40B4-BE49-F238E27FC236}">
+                <a16:creationId xmlns:a16="http://schemas.microsoft.com/office/drawing/2014/main" id="{76819B57-3086-BCF0-4CA3-4CF7C73842C0}"/>
+              </a:ext>
+            </a:extLst>
+          </p:cNvPr>
+          <p:cNvPicPr>
+            <a:picLocks noChangeAspect="1"/>
+          </p:cNvPicPr>
+          <p:nvPr/>
+        </p:nvPicPr>
+        <p:blipFill>
+          <a:blip r:embed="rId4"/>
+          <a:stretch>
+            <a:fillRect/>
+          </a:stretch>
+        </p:blipFill>
+        <p:spPr>
+          <a:xfrm>
+            <a:off x="195342" y="3715654"/>
+            <a:ext cx="7396130" cy="2124707"/>
+          </a:xfrm>
+          <a:prstGeom prst="rect">
+            <a:avLst/>
+          </a:prstGeom>
+        </p:spPr>
+      </p:pic>
+      <p:sp>
+        <p:nvSpPr>
+          <p:cNvPr id="8" name="CuadroTexto 7">
+            <a:extLst>
+              <a:ext uri="{FF2B5EF4-FFF2-40B4-BE49-F238E27FC236}">
+                <a16:creationId xmlns:a16="http://schemas.microsoft.com/office/drawing/2014/main" id="{E5D817FA-5021-C44F-AF10-D416344C2287}"/>
+              </a:ext>
+            </a:extLst>
+          </p:cNvPr>
+          <p:cNvSpPr txBox="1"/>
+          <p:nvPr/>
+        </p:nvSpPr>
+        <p:spPr>
+          <a:xfrm>
+            <a:off x="8001080" y="3686746"/>
+            <a:ext cx="3917993" cy="2031325"/>
+          </a:xfrm>
+          <a:prstGeom prst="rect">
+            <a:avLst/>
+          </a:prstGeom>
+          <a:noFill/>
+        </p:spPr>
+        <p:txBody>
+          <a:bodyPr wrap="square" rtlCol="0">
+            <a:spAutoFit/>
+          </a:bodyPr>
+          <a:lstStyle/>
+          <a:p>
+            <a:r>
+              <a:rPr lang="es-ES" dirty="0"/>
+              <a:t>Hemos creado una ventana con título propio, una etiqueta y una imagen.</a:t>
+            </a:r>
+          </a:p>
+          <a:p>
+            <a:endParaRPr lang="es-ES" dirty="0"/>
+          </a:p>
+          <a:p>
+            <a:r>
+              <a:rPr lang="es-ES" dirty="0"/>
+              <a:t>La imagen está descargada desde la base de datos que hemos creado (DB_IMAGES), y buscamos la imagen a través de la consulta por su nombre. </a:t>
+            </a:r>
+          </a:p>
+        </p:txBody>
+      </p:sp>
+      <p:sp>
+        <p:nvSpPr>
+          <p:cNvPr id="9" name="Rectángulo 8">
+            <a:extLst>
+              <a:ext uri="{FF2B5EF4-FFF2-40B4-BE49-F238E27FC236}">
+                <a16:creationId xmlns:a16="http://schemas.microsoft.com/office/drawing/2014/main" id="{A8707C35-F901-0FAA-2E9F-B26878A2147E}"/>
+              </a:ext>
+            </a:extLst>
+          </p:cNvPr>
+          <p:cNvSpPr/>
+          <p:nvPr/>
+        </p:nvSpPr>
+        <p:spPr>
+          <a:xfrm>
+            <a:off x="609934" y="5338916"/>
+            <a:ext cx="6962207" cy="418484"/>
+          </a:xfrm>
+          <a:prstGeom prst="rect">
+            <a:avLst/>
+          </a:prstGeom>
+          <a:noFill/>
+          <a:ln w="28575">
+            <a:solidFill>
+              <a:srgbClr val="FFC000"/>
+            </a:solidFill>
+          </a:ln>
+        </p:spPr>
+        <p:style>
+          <a:lnRef idx="2">
+            <a:schemeClr val="accent1">
+              <a:shade val="15000"/>
+            </a:schemeClr>
+          </a:lnRef>
+          <a:fillRef idx="1">
+            <a:schemeClr val="accent1"/>
+          </a:fillRef>
+          <a:effectRef idx="0">
+            <a:schemeClr val="accent1"/>
+          </a:effectRef>
+          <a:fontRef idx="minor">
+            <a:schemeClr val="lt1"/>
+          </a:fontRef>
+        </p:style>
+        <p:txBody>
+          <a:bodyPr rtlCol="0" anchor="ctr"/>
+          <a:lstStyle/>
+          <a:p>
+            <a:pPr algn="ctr"/>
+            <a:endParaRPr lang="es-ES"/>
+          </a:p>
+        </p:txBody>
+      </p:sp>
+      <p:sp>
+        <p:nvSpPr>
+          <p:cNvPr id="10" name="Rectángulo 9">
+            <a:extLst>
+              <a:ext uri="{FF2B5EF4-FFF2-40B4-BE49-F238E27FC236}">
+                <a16:creationId xmlns:a16="http://schemas.microsoft.com/office/drawing/2014/main" id="{1CF532D5-7E8E-172A-E76C-6748D2FDDEF6}"/>
+              </a:ext>
+            </a:extLst>
+          </p:cNvPr>
+          <p:cNvSpPr/>
+          <p:nvPr/>
+        </p:nvSpPr>
+        <p:spPr>
+          <a:xfrm>
+            <a:off x="9399638" y="5380397"/>
+            <a:ext cx="2471685" cy="337674"/>
+          </a:xfrm>
+          <a:prstGeom prst="rect">
+            <a:avLst/>
+          </a:prstGeom>
+          <a:noFill/>
+          <a:ln w="28575">
+            <a:solidFill>
+              <a:srgbClr val="FFC000"/>
+            </a:solidFill>
+          </a:ln>
+        </p:spPr>
+        <p:style>
+          <a:lnRef idx="2">
+            <a:schemeClr val="accent1">
+              <a:shade val="15000"/>
+            </a:schemeClr>
+          </a:lnRef>
+          <a:fillRef idx="1">
+            <a:schemeClr val="accent1"/>
+          </a:fillRef>
+          <a:effectRef idx="0">
+            <a:schemeClr val="accent1"/>
+          </a:effectRef>
+          <a:fontRef idx="minor">
+            <a:schemeClr val="lt1"/>
+          </a:fontRef>
+        </p:style>
+        <p:txBody>
+          <a:bodyPr rtlCol="0" anchor="ctr"/>
+          <a:lstStyle/>
+          <a:p>
+            <a:pPr algn="ctr"/>
+            <a:endParaRPr lang="es-ES"/>
+          </a:p>
+        </p:txBody>
+      </p:sp>
+      <p:cxnSp>
+        <p:nvCxnSpPr>
+          <p:cNvPr id="12" name="Conector: angular 11">
+            <a:extLst>
+              <a:ext uri="{FF2B5EF4-FFF2-40B4-BE49-F238E27FC236}">
+                <a16:creationId xmlns:a16="http://schemas.microsoft.com/office/drawing/2014/main" id="{B5785E3B-25BC-9478-AA64-8599D33632B9}"/>
+              </a:ext>
+            </a:extLst>
+          </p:cNvPr>
+          <p:cNvCxnSpPr>
+            <a:stCxn id="9" idx="2"/>
+            <a:endCxn id="10" idx="2"/>
+          </p:cNvCxnSpPr>
+          <p:nvPr/>
+        </p:nvCxnSpPr>
+        <p:spPr>
+          <a:xfrm rot="5400000" flipH="1" flipV="1">
+            <a:off x="7343594" y="2465514"/>
+            <a:ext cx="39329" cy="6544443"/>
+          </a:xfrm>
+          <a:prstGeom prst="bentConnector3">
+            <a:avLst>
+              <a:gd name="adj1" fmla="val -581250"/>
+            </a:avLst>
+          </a:prstGeom>
+          <a:ln w="28575">
+            <a:solidFill>
+              <a:srgbClr val="FFC000"/>
+            </a:solidFill>
+            <a:tailEnd type="triangle"/>
+          </a:ln>
+        </p:spPr>
+        <p:style>
+          <a:lnRef idx="2">
+            <a:schemeClr val="accent1"/>
+          </a:lnRef>
+          <a:fillRef idx="0">
+            <a:schemeClr val="accent1"/>
+          </a:fillRef>
+          <a:effectRef idx="1">
+            <a:schemeClr val="accent1"/>
+          </a:effectRef>
+          <a:fontRef idx="minor">
+            <a:schemeClr val="tx1"/>
+          </a:fontRef>
+        </p:style>
+      </p:cxnSp>
+    </p:spTree>
+    <p:extLst>
+      <p:ext uri="{BB962C8B-B14F-4D97-AF65-F5344CB8AC3E}">
+        <p14:creationId xmlns:p14="http://schemas.microsoft.com/office/powerpoint/2010/main" val="2358442974"/>
+      </p:ext>
+    </p:extLst>
+  </p:cSld>
+  <p:clrMapOvr>
+    <a:masterClrMapping/>
+  </p:clrMapOvr>
+</p:sld>
+</file>
+
+<file path=ppt/slides/slide3.xml><?xml version="1.0" encoding="utf-8"?>
+<p:sld xmlns:a="http://schemas.openxmlformats.org/drawingml/2006/main" xmlns:r="http://schemas.openxmlformats.org/officeDocument/2006/relationships" xmlns:p="http://schemas.openxmlformats.org/presentationml/2006/main">
+  <p:cSld>
+    <p:spTree>
+      <p:nvGrpSpPr>
+        <p:cNvPr id="1" name=""/>
+        <p:cNvGrpSpPr/>
+        <p:nvPr/>
+      </p:nvGrpSpPr>
+      <p:grpSpPr>
+        <a:xfrm>
+          <a:off x="0" y="0"/>
+          <a:ext cx="0" cy="0"/>
+          <a:chOff x="0" y="0"/>
+          <a:chExt cx="0" cy="0"/>
+        </a:xfrm>
+      </p:grpSpPr>
+      <p:sp>
+        <p:nvSpPr>
+          <p:cNvPr id="8" name="CuadroTexto 7">
+            <a:extLst>
+              <a:ext uri="{FF2B5EF4-FFF2-40B4-BE49-F238E27FC236}">
+                <a16:creationId xmlns:a16="http://schemas.microsoft.com/office/drawing/2014/main" id="{E5D817FA-5021-C44F-AF10-D416344C2287}"/>
+              </a:ext>
+            </a:extLst>
+          </p:cNvPr>
+          <p:cNvSpPr txBox="1"/>
+          <p:nvPr/>
+        </p:nvSpPr>
+        <p:spPr>
+          <a:xfrm>
+            <a:off x="525001" y="4080036"/>
+            <a:ext cx="6632883" cy="1754326"/>
+          </a:xfrm>
+          <a:prstGeom prst="rect">
+            <a:avLst/>
+          </a:prstGeom>
+          <a:noFill/>
+        </p:spPr>
+        <p:txBody>
+          <a:bodyPr wrap="square" rtlCol="0">
+            <a:spAutoFit/>
+          </a:bodyPr>
+          <a:lstStyle/>
+          <a:p>
+            <a:r>
+              <a:rPr lang="es-ES" dirty="0"/>
+              <a:t>En este panel hemos añadido una etiqueta y dos botones.</a:t>
+            </a:r>
+          </a:p>
+          <a:p>
+            <a:endParaRPr lang="es-ES" dirty="0"/>
+          </a:p>
+          <a:p>
+            <a:r>
+              <a:rPr lang="es-ES" dirty="0"/>
+              <a:t>Los eventos de los botones hacen cambiar la etiqueta, expresando qué botón fue pulsado el último. </a:t>
+            </a:r>
+          </a:p>
+          <a:p>
+            <a:endParaRPr lang="es-ES" dirty="0"/>
+          </a:p>
+          <a:p>
+            <a:r>
+              <a:rPr lang="es-ES" dirty="0"/>
+              <a:t>Si aún no han sido pulsados, se muestra la etiqueta por defecto.</a:t>
+            </a:r>
+          </a:p>
+        </p:txBody>
+      </p:sp>
+      <p:pic>
+        <p:nvPicPr>
+          <p:cNvPr id="5" name="Imagen 4">
+            <a:extLst>
+              <a:ext uri="{FF2B5EF4-FFF2-40B4-BE49-F238E27FC236}">
+                <a16:creationId xmlns:a16="http://schemas.microsoft.com/office/drawing/2014/main" id="{57BCE084-8905-AF00-BCC4-D84D20284A01}"/>
+              </a:ext>
+            </a:extLst>
+          </p:cNvPr>
+          <p:cNvPicPr>
+            <a:picLocks noChangeAspect="1"/>
+          </p:cNvPicPr>
+          <p:nvPr/>
+        </p:nvPicPr>
+        <p:blipFill>
+          <a:blip r:embed="rId2"/>
+          <a:stretch>
+            <a:fillRect/>
+          </a:stretch>
+        </p:blipFill>
+        <p:spPr>
+          <a:xfrm>
+            <a:off x="7879531" y="336369"/>
+            <a:ext cx="3787468" cy="1867062"/>
+          </a:xfrm>
+          <a:prstGeom prst="rect">
+            <a:avLst/>
+          </a:prstGeom>
+        </p:spPr>
+      </p:pic>
+      <p:pic>
+        <p:nvPicPr>
+          <p:cNvPr id="11" name="Imagen 10">
+            <a:extLst>
+              <a:ext uri="{FF2B5EF4-FFF2-40B4-BE49-F238E27FC236}">
+                <a16:creationId xmlns:a16="http://schemas.microsoft.com/office/drawing/2014/main" id="{D4E00A2D-1FEA-A535-D8F9-4521CB5A84B3}"/>
+              </a:ext>
+            </a:extLst>
+          </p:cNvPr>
+          <p:cNvPicPr>
+            <a:picLocks noChangeAspect="1"/>
+          </p:cNvPicPr>
+          <p:nvPr/>
+        </p:nvPicPr>
+        <p:blipFill>
+          <a:blip r:embed="rId3"/>
+          <a:stretch>
+            <a:fillRect/>
+          </a:stretch>
+        </p:blipFill>
+        <p:spPr>
+          <a:xfrm>
+            <a:off x="7879272" y="2356939"/>
+            <a:ext cx="3787468" cy="1851820"/>
+          </a:xfrm>
+          <a:prstGeom prst="rect">
+            <a:avLst/>
+          </a:prstGeom>
+        </p:spPr>
+      </p:pic>
+      <p:pic>
+        <p:nvPicPr>
+          <p:cNvPr id="14" name="Imagen 13">
+            <a:extLst>
+              <a:ext uri="{FF2B5EF4-FFF2-40B4-BE49-F238E27FC236}">
+                <a16:creationId xmlns:a16="http://schemas.microsoft.com/office/drawing/2014/main" id="{B9B82B1D-E08F-A0F7-8A57-C5949330BC69}"/>
+              </a:ext>
+            </a:extLst>
+          </p:cNvPr>
+          <p:cNvPicPr>
+            <a:picLocks noChangeAspect="1"/>
+          </p:cNvPicPr>
+          <p:nvPr/>
+        </p:nvPicPr>
+        <p:blipFill>
+          <a:blip r:embed="rId4"/>
+          <a:stretch>
+            <a:fillRect/>
+          </a:stretch>
+        </p:blipFill>
+        <p:spPr>
+          <a:xfrm>
+            <a:off x="7848789" y="4397764"/>
+            <a:ext cx="3817951" cy="1882303"/>
+          </a:xfrm>
+          <a:prstGeom prst="rect">
+            <a:avLst/>
+          </a:prstGeom>
+        </p:spPr>
+      </p:pic>
+      <p:pic>
+        <p:nvPicPr>
+          <p:cNvPr id="16" name="Imagen 15">
+            <a:extLst>
+              <a:ext uri="{FF2B5EF4-FFF2-40B4-BE49-F238E27FC236}">
+                <a16:creationId xmlns:a16="http://schemas.microsoft.com/office/drawing/2014/main" id="{C4FBE324-CD3E-1AF5-576E-BEB13B93D09A}"/>
+              </a:ext>
+            </a:extLst>
+          </p:cNvPr>
+          <p:cNvPicPr>
+            <a:picLocks noChangeAspect="1"/>
+          </p:cNvPicPr>
+          <p:nvPr/>
+        </p:nvPicPr>
+        <p:blipFill>
+          <a:blip r:embed="rId5"/>
+          <a:stretch>
+            <a:fillRect/>
+          </a:stretch>
+        </p:blipFill>
+        <p:spPr>
+          <a:xfrm>
+            <a:off x="525001" y="1481867"/>
+            <a:ext cx="4549534" cy="2301439"/>
+          </a:xfrm>
+          <a:prstGeom prst="rect">
+            <a:avLst/>
+          </a:prstGeom>
+        </p:spPr>
+      </p:pic>
+      <p:pic>
+        <p:nvPicPr>
+          <p:cNvPr id="18" name="Imagen 17">
+            <a:extLst>
+              <a:ext uri="{FF2B5EF4-FFF2-40B4-BE49-F238E27FC236}">
+                <a16:creationId xmlns:a16="http://schemas.microsoft.com/office/drawing/2014/main" id="{EBCA7DBF-7273-9E83-88E4-2A1162F6414B}"/>
+              </a:ext>
+            </a:extLst>
+          </p:cNvPr>
+          <p:cNvPicPr>
+            <a:picLocks noChangeAspect="1"/>
+          </p:cNvPicPr>
+          <p:nvPr/>
+        </p:nvPicPr>
+        <p:blipFill>
+          <a:blip r:embed="rId6"/>
+          <a:stretch>
+            <a:fillRect/>
+          </a:stretch>
+        </p:blipFill>
+        <p:spPr>
+          <a:xfrm>
+            <a:off x="525001" y="131008"/>
+            <a:ext cx="6873836" cy="1280271"/>
           </a:xfrm>
           <a:prstGeom prst="rect">
             <a:avLst/>
@@ -3512,7 +3973,268 @@
     </p:spTree>
     <p:extLst>
       <p:ext uri="{BB962C8B-B14F-4D97-AF65-F5344CB8AC3E}">
-        <p14:creationId xmlns:p14="http://schemas.microsoft.com/office/powerpoint/2010/main" val="2358442974"/>
+        <p14:creationId xmlns:p14="http://schemas.microsoft.com/office/powerpoint/2010/main" val="1438876603"/>
+      </p:ext>
+    </p:extLst>
+  </p:cSld>
+  <p:clrMapOvr>
+    <a:masterClrMapping/>
+  </p:clrMapOvr>
+</p:sld>
+</file>
+
+<file path=ppt/slides/slide4.xml><?xml version="1.0" encoding="utf-8"?>
+<p:sld xmlns:a="http://schemas.openxmlformats.org/drawingml/2006/main" xmlns:r="http://schemas.openxmlformats.org/officeDocument/2006/relationships" xmlns:p="http://schemas.openxmlformats.org/presentationml/2006/main">
+  <p:cSld>
+    <p:spTree>
+      <p:nvGrpSpPr>
+        <p:cNvPr id="1" name=""/>
+        <p:cNvGrpSpPr/>
+        <p:nvPr/>
+      </p:nvGrpSpPr>
+      <p:grpSpPr>
+        <a:xfrm>
+          <a:off x="0" y="0"/>
+          <a:ext cx="0" cy="0"/>
+          <a:chOff x="0" y="0"/>
+          <a:chExt cx="0" cy="0"/>
+        </a:xfrm>
+      </p:grpSpPr>
+      <p:sp>
+        <p:nvSpPr>
+          <p:cNvPr id="8" name="CuadroTexto 7">
+            <a:extLst>
+              <a:ext uri="{FF2B5EF4-FFF2-40B4-BE49-F238E27FC236}">
+                <a16:creationId xmlns:a16="http://schemas.microsoft.com/office/drawing/2014/main" id="{E5D817FA-5021-C44F-AF10-D416344C2287}"/>
+              </a:ext>
+            </a:extLst>
+          </p:cNvPr>
+          <p:cNvSpPr txBox="1"/>
+          <p:nvPr/>
+        </p:nvSpPr>
+        <p:spPr>
+          <a:xfrm>
+            <a:off x="525000" y="5206860"/>
+            <a:ext cx="7167715" cy="1200329"/>
+          </a:xfrm>
+          <a:prstGeom prst="rect">
+            <a:avLst/>
+          </a:prstGeom>
+          <a:noFill/>
+        </p:spPr>
+        <p:txBody>
+          <a:bodyPr wrap="square" rtlCol="0">
+            <a:spAutoFit/>
+          </a:bodyPr>
+          <a:lstStyle/>
+          <a:p>
+            <a:r>
+              <a:rPr lang="es-ES" dirty="0"/>
+              <a:t>En este panel hemos añadido una </a:t>
+            </a:r>
+            <a:r>
+              <a:rPr lang="es-ES" dirty="0" err="1"/>
+              <a:t>TextArea</a:t>
+            </a:r>
+            <a:r>
+              <a:rPr lang="es-ES" dirty="0"/>
+              <a:t> que va recogiendo los “eventos” que suceden al panel, como puede ser minimizar a ventana, pasar el mouse por encima, etc. Todos esos eventos son @Override’s, situados en los </a:t>
+            </a:r>
+            <a:r>
+              <a:rPr lang="es-ES" dirty="0" err="1"/>
+              <a:t>Listener</a:t>
+            </a:r>
+            <a:r>
+              <a:rPr lang="es-ES" dirty="0"/>
+              <a:t> adecuados.</a:t>
+            </a:r>
+          </a:p>
+        </p:txBody>
+      </p:sp>
+      <p:pic>
+        <p:nvPicPr>
+          <p:cNvPr id="19" name="Imagen 18">
+            <a:extLst>
+              <a:ext uri="{FF2B5EF4-FFF2-40B4-BE49-F238E27FC236}">
+                <a16:creationId xmlns:a16="http://schemas.microsoft.com/office/drawing/2014/main" id="{A039FB8D-ECE4-D771-B0D2-04111DAB7581}"/>
+              </a:ext>
+            </a:extLst>
+          </p:cNvPr>
+          <p:cNvPicPr>
+            <a:picLocks noChangeAspect="1"/>
+          </p:cNvPicPr>
+          <p:nvPr/>
+        </p:nvPicPr>
+        <p:blipFill>
+          <a:blip r:embed="rId2"/>
+          <a:stretch>
+            <a:fillRect/>
+          </a:stretch>
+        </p:blipFill>
+        <p:spPr>
+          <a:xfrm>
+            <a:off x="525000" y="131008"/>
+            <a:ext cx="5143946" cy="1806097"/>
+          </a:xfrm>
+          <a:prstGeom prst="rect">
+            <a:avLst/>
+          </a:prstGeom>
+        </p:spPr>
+      </p:pic>
+      <p:pic>
+        <p:nvPicPr>
+          <p:cNvPr id="21" name="Imagen 20">
+            <a:extLst>
+              <a:ext uri="{FF2B5EF4-FFF2-40B4-BE49-F238E27FC236}">
+                <a16:creationId xmlns:a16="http://schemas.microsoft.com/office/drawing/2014/main" id="{1F02C641-E8EF-C467-E265-C4A91EC6469F}"/>
+              </a:ext>
+            </a:extLst>
+          </p:cNvPr>
+          <p:cNvPicPr>
+            <a:picLocks noChangeAspect="1"/>
+          </p:cNvPicPr>
+          <p:nvPr/>
+        </p:nvPicPr>
+        <p:blipFill>
+          <a:blip r:embed="rId3"/>
+          <a:stretch>
+            <a:fillRect/>
+          </a:stretch>
+        </p:blipFill>
+        <p:spPr>
+          <a:xfrm>
+            <a:off x="525000" y="2108057"/>
+            <a:ext cx="4922947" cy="823031"/>
+          </a:xfrm>
+          <a:prstGeom prst="rect">
+            <a:avLst/>
+          </a:prstGeom>
+        </p:spPr>
+      </p:pic>
+      <p:pic>
+        <p:nvPicPr>
+          <p:cNvPr id="23" name="Imagen 22">
+            <a:extLst>
+              <a:ext uri="{FF2B5EF4-FFF2-40B4-BE49-F238E27FC236}">
+                <a16:creationId xmlns:a16="http://schemas.microsoft.com/office/drawing/2014/main" id="{14CBB85A-8F27-D2D7-9298-039317FEF4BD}"/>
+              </a:ext>
+            </a:extLst>
+          </p:cNvPr>
+          <p:cNvPicPr>
+            <a:picLocks noChangeAspect="1"/>
+          </p:cNvPicPr>
+          <p:nvPr/>
+        </p:nvPicPr>
+        <p:blipFill>
+          <a:blip r:embed="rId4"/>
+          <a:stretch>
+            <a:fillRect/>
+          </a:stretch>
+        </p:blipFill>
+        <p:spPr>
+          <a:xfrm>
+            <a:off x="525000" y="3102040"/>
+            <a:ext cx="4595258" cy="1676545"/>
+          </a:xfrm>
+          <a:prstGeom prst="rect">
+            <a:avLst/>
+          </a:prstGeom>
+        </p:spPr>
+      </p:pic>
+      <p:pic>
+        <p:nvPicPr>
+          <p:cNvPr id="25" name="Imagen 24">
+            <a:extLst>
+              <a:ext uri="{FF2B5EF4-FFF2-40B4-BE49-F238E27FC236}">
+                <a16:creationId xmlns:a16="http://schemas.microsoft.com/office/drawing/2014/main" id="{81407CD8-15FC-7922-DDDE-9BF94645B180}"/>
+              </a:ext>
+            </a:extLst>
+          </p:cNvPr>
+          <p:cNvPicPr>
+            <a:picLocks noChangeAspect="1"/>
+          </p:cNvPicPr>
+          <p:nvPr/>
+        </p:nvPicPr>
+        <p:blipFill>
+          <a:blip r:embed="rId5"/>
+          <a:stretch>
+            <a:fillRect/>
+          </a:stretch>
+        </p:blipFill>
+        <p:spPr>
+          <a:xfrm>
+            <a:off x="7894773" y="131008"/>
+            <a:ext cx="3772227" cy="2834886"/>
+          </a:xfrm>
+          <a:prstGeom prst="rect">
+            <a:avLst/>
+          </a:prstGeom>
+        </p:spPr>
+      </p:pic>
+      <p:pic>
+        <p:nvPicPr>
+          <p:cNvPr id="27" name="Imagen 26">
+            <a:extLst>
+              <a:ext uri="{FF2B5EF4-FFF2-40B4-BE49-F238E27FC236}">
+                <a16:creationId xmlns:a16="http://schemas.microsoft.com/office/drawing/2014/main" id="{23F98AAA-C19A-1598-2C9E-9DC9513445B3}"/>
+              </a:ext>
+            </a:extLst>
+          </p:cNvPr>
+          <p:cNvPicPr>
+            <a:picLocks noChangeAspect="1"/>
+          </p:cNvPicPr>
+          <p:nvPr/>
+        </p:nvPicPr>
+        <p:blipFill>
+          <a:blip r:embed="rId6"/>
+          <a:stretch>
+            <a:fillRect/>
+          </a:stretch>
+        </p:blipFill>
+        <p:spPr>
+          <a:xfrm>
+            <a:off x="7925658" y="3125169"/>
+            <a:ext cx="3749365" cy="2789162"/>
+          </a:xfrm>
+          <a:prstGeom prst="rect">
+            <a:avLst/>
+          </a:prstGeom>
+        </p:spPr>
+      </p:pic>
+    </p:spTree>
+    <p:extLst>
+      <p:ext uri="{BB962C8B-B14F-4D97-AF65-F5344CB8AC3E}">
+        <p14:creationId xmlns:p14="http://schemas.microsoft.com/office/powerpoint/2010/main" val="1041456162"/>
+      </p:ext>
+    </p:extLst>
+  </p:cSld>
+  <p:clrMapOvr>
+    <a:masterClrMapping/>
+  </p:clrMapOvr>
+</p:sld>
+</file>
+
+<file path=ppt/slides/slide5.xml><?xml version="1.0" encoding="utf-8"?>
+<p:sld xmlns:a="http://schemas.openxmlformats.org/drawingml/2006/main" xmlns:r="http://schemas.openxmlformats.org/officeDocument/2006/relationships" xmlns:p="http://schemas.openxmlformats.org/presentationml/2006/main">
+  <p:cSld>
+    <p:spTree>
+      <p:nvGrpSpPr>
+        <p:cNvPr id="1" name=""/>
+        <p:cNvGrpSpPr/>
+        <p:nvPr/>
+      </p:nvGrpSpPr>
+      <p:grpSpPr>
+        <a:xfrm>
+          <a:off x="0" y="0"/>
+          <a:ext cx="0" cy="0"/>
+          <a:chOff x="0" y="0"/>
+          <a:chExt cx="0" cy="0"/>
+        </a:xfrm>
+      </p:grpSpPr>
+    </p:spTree>
+    <p:extLst>
+      <p:ext uri="{BB962C8B-B14F-4D97-AF65-F5344CB8AC3E}">
+        <p14:creationId xmlns:p14="http://schemas.microsoft.com/office/powerpoint/2010/main" val="120123057"/>
       </p:ext>
     </p:extLst>
   </p:cSld>

--- a/[JAVA]/C4/TA20/ta20.pptx
+++ b/[JAVA]/C4/TA20/ta20.pptx
@@ -9,7 +9,9 @@
     <p:sldId id="268" r:id="rId3"/>
     <p:sldId id="269" r:id="rId4"/>
     <p:sldId id="270" r:id="rId5"/>
-    <p:sldId id="271" r:id="rId6"/>
+    <p:sldId id="272" r:id="rId6"/>
+    <p:sldId id="273" r:id="rId7"/>
+    <p:sldId id="274" r:id="rId8"/>
   </p:sldIdLst>
   <p:sldSz cx="12192000" cy="6858000"/>
   <p:notesSz cx="6858000" cy="9144000"/>
@@ -4014,8 +4016,8 @@
         </p:nvSpPr>
         <p:spPr>
           <a:xfrm>
-            <a:off x="525000" y="5206860"/>
-            <a:ext cx="7167715" cy="1200329"/>
+            <a:off x="509759" y="4692400"/>
+            <a:ext cx="7167715" cy="2031325"/>
           </a:xfrm>
           <a:prstGeom prst="rect">
             <a:avLst/>
@@ -4030,33 +4032,79 @@
           <a:p>
             <a:r>
               <a:rPr lang="es-ES" dirty="0"/>
-              <a:t>En este panel hemos añadido una </a:t>
+              <a:t>Hemos utilizado un </a:t>
             </a:r>
             <a:r>
               <a:rPr lang="es-ES" dirty="0" err="1"/>
-              <a:t>TextArea</a:t>
+              <a:t>GridBagConstraints</a:t>
             </a:r>
             <a:r>
               <a:rPr lang="es-ES" dirty="0"/>
-              <a:t> que va recogiendo los “eventos” que suceden al panel, como puede ser minimizar a ventana, pasar el mouse por encima, etc. Todos esos eventos son @Override’s, situados en los </a:t>
+              <a:t> sin definir, al cual le hemos ido añadiendo las </a:t>
             </a:r>
             <a:r>
               <a:rPr lang="es-ES" dirty="0" err="1"/>
-              <a:t>Listener</a:t>
+              <a:t>label</a:t>
             </a:r>
             <a:r>
               <a:rPr lang="es-ES" dirty="0"/>
-              <a:t> adecuados.</a:t>
+              <a:t> y los botones que queríamos; también hay un espaciado entre los componentes para una mayor diferenciación visual de los componentes.</a:t>
+            </a:r>
+          </a:p>
+          <a:p>
+            <a:r>
+              <a:rPr lang="es-ES" dirty="0"/>
+              <a:t>Los </a:t>
+            </a:r>
+            <a:r>
+              <a:rPr lang="es-ES" dirty="0" err="1"/>
+              <a:t>label</a:t>
+            </a:r>
+            <a:r>
+              <a:rPr lang="es-ES" dirty="0"/>
+              <a:t> se van </a:t>
+            </a:r>
+            <a:r>
+              <a:rPr lang="es-ES" dirty="0" err="1"/>
+              <a:t>sobreescribiendo</a:t>
+            </a:r>
+            <a:r>
+              <a:rPr lang="es-ES" dirty="0"/>
+              <a:t> según el Evento de los botones. Cada </a:t>
+            </a:r>
+            <a:r>
+              <a:rPr lang="es-ES" dirty="0" err="1"/>
+              <a:t>click</a:t>
+            </a:r>
+            <a:r>
+              <a:rPr lang="es-ES" dirty="0"/>
+              <a:t> al botón suma 1 al contador de </a:t>
+            </a:r>
+            <a:r>
+              <a:rPr lang="es-ES" dirty="0" err="1"/>
+              <a:t>clicks</a:t>
+            </a:r>
+            <a:r>
+              <a:rPr lang="es-ES" dirty="0"/>
+              <a:t> de ese botón; el resultado se muestra en el </a:t>
+            </a:r>
+            <a:r>
+              <a:rPr lang="es-ES" dirty="0" err="1"/>
+              <a:t>label</a:t>
+            </a:r>
+            <a:r>
+              <a:rPr lang="es-ES" dirty="0"/>
+              <a:t> correspondiente.</a:t>
             </a:r>
           </a:p>
         </p:txBody>
       </p:sp>
       <p:pic>
         <p:nvPicPr>
-          <p:cNvPr id="19" name="Imagen 18">
-            <a:extLst>
-              <a:ext uri="{FF2B5EF4-FFF2-40B4-BE49-F238E27FC236}">
-                <a16:creationId xmlns:a16="http://schemas.microsoft.com/office/drawing/2014/main" id="{A039FB8D-ECE4-D771-B0D2-04111DAB7581}"/>
+          <p:cNvPr id="5" name="Imagen 4">
+            <a:extLst>
+              <a:ext uri="{FF2B5EF4-FFF2-40B4-BE49-F238E27FC236}">
+                <a16:creationId xmlns:a16="http://schemas.microsoft.com/office/drawing/2014/main" id="{9329CC90-485C-B5AA-F637-EB05A385B015}"/>
               </a:ext>
             </a:extLst>
           </p:cNvPr>
@@ -4073,8 +4121,8 @@
         </p:blipFill>
         <p:spPr>
           <a:xfrm>
-            <a:off x="525000" y="131008"/>
-            <a:ext cx="5143946" cy="1806097"/>
+            <a:off x="560394" y="509783"/>
+            <a:ext cx="7549607" cy="4064630"/>
           </a:xfrm>
           <a:prstGeom prst="rect">
             <a:avLst/>
@@ -4083,10 +4131,10 @@
       </p:pic>
       <p:pic>
         <p:nvPicPr>
-          <p:cNvPr id="21" name="Imagen 20">
-            <a:extLst>
-              <a:ext uri="{FF2B5EF4-FFF2-40B4-BE49-F238E27FC236}">
-                <a16:creationId xmlns:a16="http://schemas.microsoft.com/office/drawing/2014/main" id="{1F02C641-E8EF-C467-E265-C4A91EC6469F}"/>
+          <p:cNvPr id="7" name="Imagen 6">
+            <a:extLst>
+              <a:ext uri="{FF2B5EF4-FFF2-40B4-BE49-F238E27FC236}">
+                <a16:creationId xmlns:a16="http://schemas.microsoft.com/office/drawing/2014/main" id="{F9BD707A-F05D-E1EB-49C8-B26B09DEE8FF}"/>
               </a:ext>
             </a:extLst>
           </p:cNvPr>
@@ -4103,8 +4151,8 @@
         </p:blipFill>
         <p:spPr>
           <a:xfrm>
-            <a:off x="525000" y="2108057"/>
-            <a:ext cx="4922947" cy="823031"/>
+            <a:off x="8557772" y="242545"/>
+            <a:ext cx="3109229" cy="1828958"/>
           </a:xfrm>
           <a:prstGeom prst="rect">
             <a:avLst/>
@@ -4113,10 +4161,10 @@
       </p:pic>
       <p:pic>
         <p:nvPicPr>
-          <p:cNvPr id="23" name="Imagen 22">
-            <a:extLst>
-              <a:ext uri="{FF2B5EF4-FFF2-40B4-BE49-F238E27FC236}">
-                <a16:creationId xmlns:a16="http://schemas.microsoft.com/office/drawing/2014/main" id="{14CBB85A-8F27-D2D7-9298-039317FEF4BD}"/>
+          <p:cNvPr id="10" name="Imagen 9">
+            <a:extLst>
+              <a:ext uri="{FF2B5EF4-FFF2-40B4-BE49-F238E27FC236}">
+                <a16:creationId xmlns:a16="http://schemas.microsoft.com/office/drawing/2014/main" id="{584AF8AF-53B2-35BA-259D-D08572A585F5}"/>
               </a:ext>
             </a:extLst>
           </p:cNvPr>
@@ -4133,8 +4181,8 @@
         </p:blipFill>
         <p:spPr>
           <a:xfrm>
-            <a:off x="525000" y="3102040"/>
-            <a:ext cx="4595258" cy="1676545"/>
+            <a:off x="8557771" y="2348485"/>
+            <a:ext cx="3109229" cy="1684166"/>
           </a:xfrm>
           <a:prstGeom prst="rect">
             <a:avLst/>
@@ -4143,10 +4191,10 @@
       </p:pic>
       <p:pic>
         <p:nvPicPr>
-          <p:cNvPr id="25" name="Imagen 24">
-            <a:extLst>
-              <a:ext uri="{FF2B5EF4-FFF2-40B4-BE49-F238E27FC236}">
-                <a16:creationId xmlns:a16="http://schemas.microsoft.com/office/drawing/2014/main" id="{81407CD8-15FC-7922-DDDE-9BF94645B180}"/>
+          <p:cNvPr id="12" name="Imagen 11">
+            <a:extLst>
+              <a:ext uri="{FF2B5EF4-FFF2-40B4-BE49-F238E27FC236}">
+                <a16:creationId xmlns:a16="http://schemas.microsoft.com/office/drawing/2014/main" id="{9C360829-4DBA-E2C9-09D9-1DC7EB0647D9}"/>
               </a:ext>
             </a:extLst>
           </p:cNvPr>
@@ -4163,8 +4211,8 @@
         </p:blipFill>
         <p:spPr>
           <a:xfrm>
-            <a:off x="7894773" y="131008"/>
-            <a:ext cx="3772227" cy="2834886"/>
+            <a:off x="8542529" y="4309633"/>
+            <a:ext cx="3139712" cy="1729890"/>
           </a:xfrm>
           <a:prstGeom prst="rect">
             <a:avLst/>
@@ -4173,10 +4221,10 @@
       </p:pic>
       <p:pic>
         <p:nvPicPr>
-          <p:cNvPr id="27" name="Imagen 26">
-            <a:extLst>
-              <a:ext uri="{FF2B5EF4-FFF2-40B4-BE49-F238E27FC236}">
-                <a16:creationId xmlns:a16="http://schemas.microsoft.com/office/drawing/2014/main" id="{23F98AAA-C19A-1598-2C9E-9DC9513445B3}"/>
+          <p:cNvPr id="14" name="Imagen 13">
+            <a:extLst>
+              <a:ext uri="{FF2B5EF4-FFF2-40B4-BE49-F238E27FC236}">
+                <a16:creationId xmlns:a16="http://schemas.microsoft.com/office/drawing/2014/main" id="{DE4C22E9-3E43-8133-B875-27DD8FEABD71}"/>
               </a:ext>
             </a:extLst>
           </p:cNvPr>
@@ -4193,8 +4241,8 @@
         </p:blipFill>
         <p:spPr>
           <a:xfrm>
-            <a:off x="7925658" y="3125169"/>
-            <a:ext cx="3749365" cy="2789162"/>
+            <a:off x="560394" y="207908"/>
+            <a:ext cx="3246401" cy="289585"/>
           </a:xfrm>
           <a:prstGeom prst="rect">
             <a:avLst/>
@@ -4231,10 +4279,727 @@
           <a:chExt cx="0" cy="0"/>
         </a:xfrm>
       </p:grpSpPr>
+      <p:sp>
+        <p:nvSpPr>
+          <p:cNvPr id="8" name="CuadroTexto 7">
+            <a:extLst>
+              <a:ext uri="{FF2B5EF4-FFF2-40B4-BE49-F238E27FC236}">
+                <a16:creationId xmlns:a16="http://schemas.microsoft.com/office/drawing/2014/main" id="{E5D817FA-5021-C44F-AF10-D416344C2287}"/>
+              </a:ext>
+            </a:extLst>
+          </p:cNvPr>
+          <p:cNvSpPr txBox="1"/>
+          <p:nvPr/>
+        </p:nvSpPr>
+        <p:spPr>
+          <a:xfrm>
+            <a:off x="525000" y="5206860"/>
+            <a:ext cx="7167715" cy="1200329"/>
+          </a:xfrm>
+          <a:prstGeom prst="rect">
+            <a:avLst/>
+          </a:prstGeom>
+          <a:noFill/>
+        </p:spPr>
+        <p:txBody>
+          <a:bodyPr wrap="square" rtlCol="0">
+            <a:spAutoFit/>
+          </a:bodyPr>
+          <a:lstStyle/>
+          <a:p>
+            <a:r>
+              <a:rPr lang="es-ES" dirty="0"/>
+              <a:t>En este panel hemos añadido una </a:t>
+            </a:r>
+            <a:r>
+              <a:rPr lang="es-ES" dirty="0" err="1"/>
+              <a:t>TextArea</a:t>
+            </a:r>
+            <a:r>
+              <a:rPr lang="es-ES" dirty="0"/>
+              <a:t> que va recogiendo los “eventos” que suceden al panel, como puede ser minimizar a ventana, pasar el mouse por encima, etc. Todos esos eventos son @Override’s, situados en los </a:t>
+            </a:r>
+            <a:r>
+              <a:rPr lang="es-ES" dirty="0" err="1"/>
+              <a:t>Listener</a:t>
+            </a:r>
+            <a:r>
+              <a:rPr lang="es-ES" dirty="0"/>
+              <a:t> adecuados.</a:t>
+            </a:r>
+          </a:p>
+        </p:txBody>
+      </p:sp>
+      <p:pic>
+        <p:nvPicPr>
+          <p:cNvPr id="19" name="Imagen 18">
+            <a:extLst>
+              <a:ext uri="{FF2B5EF4-FFF2-40B4-BE49-F238E27FC236}">
+                <a16:creationId xmlns:a16="http://schemas.microsoft.com/office/drawing/2014/main" id="{A039FB8D-ECE4-D771-B0D2-04111DAB7581}"/>
+              </a:ext>
+            </a:extLst>
+          </p:cNvPr>
+          <p:cNvPicPr>
+            <a:picLocks noChangeAspect="1"/>
+          </p:cNvPicPr>
+          <p:nvPr/>
+        </p:nvPicPr>
+        <p:blipFill>
+          <a:blip r:embed="rId2"/>
+          <a:stretch>
+            <a:fillRect/>
+          </a:stretch>
+        </p:blipFill>
+        <p:spPr>
+          <a:xfrm>
+            <a:off x="525000" y="131008"/>
+            <a:ext cx="5143946" cy="1806097"/>
+          </a:xfrm>
+          <a:prstGeom prst="rect">
+            <a:avLst/>
+          </a:prstGeom>
+        </p:spPr>
+      </p:pic>
+      <p:pic>
+        <p:nvPicPr>
+          <p:cNvPr id="21" name="Imagen 20">
+            <a:extLst>
+              <a:ext uri="{FF2B5EF4-FFF2-40B4-BE49-F238E27FC236}">
+                <a16:creationId xmlns:a16="http://schemas.microsoft.com/office/drawing/2014/main" id="{1F02C641-E8EF-C467-E265-C4A91EC6469F}"/>
+              </a:ext>
+            </a:extLst>
+          </p:cNvPr>
+          <p:cNvPicPr>
+            <a:picLocks noChangeAspect="1"/>
+          </p:cNvPicPr>
+          <p:nvPr/>
+        </p:nvPicPr>
+        <p:blipFill>
+          <a:blip r:embed="rId3"/>
+          <a:stretch>
+            <a:fillRect/>
+          </a:stretch>
+        </p:blipFill>
+        <p:spPr>
+          <a:xfrm>
+            <a:off x="525000" y="2108057"/>
+            <a:ext cx="4922947" cy="823031"/>
+          </a:xfrm>
+          <a:prstGeom prst="rect">
+            <a:avLst/>
+          </a:prstGeom>
+        </p:spPr>
+      </p:pic>
+      <p:pic>
+        <p:nvPicPr>
+          <p:cNvPr id="23" name="Imagen 22">
+            <a:extLst>
+              <a:ext uri="{FF2B5EF4-FFF2-40B4-BE49-F238E27FC236}">
+                <a16:creationId xmlns:a16="http://schemas.microsoft.com/office/drawing/2014/main" id="{14CBB85A-8F27-D2D7-9298-039317FEF4BD}"/>
+              </a:ext>
+            </a:extLst>
+          </p:cNvPr>
+          <p:cNvPicPr>
+            <a:picLocks noChangeAspect="1"/>
+          </p:cNvPicPr>
+          <p:nvPr/>
+        </p:nvPicPr>
+        <p:blipFill>
+          <a:blip r:embed="rId4"/>
+          <a:stretch>
+            <a:fillRect/>
+          </a:stretch>
+        </p:blipFill>
+        <p:spPr>
+          <a:xfrm>
+            <a:off x="525000" y="3102040"/>
+            <a:ext cx="4595258" cy="1676545"/>
+          </a:xfrm>
+          <a:prstGeom prst="rect">
+            <a:avLst/>
+          </a:prstGeom>
+        </p:spPr>
+      </p:pic>
+      <p:pic>
+        <p:nvPicPr>
+          <p:cNvPr id="25" name="Imagen 24">
+            <a:extLst>
+              <a:ext uri="{FF2B5EF4-FFF2-40B4-BE49-F238E27FC236}">
+                <a16:creationId xmlns:a16="http://schemas.microsoft.com/office/drawing/2014/main" id="{81407CD8-15FC-7922-DDDE-9BF94645B180}"/>
+              </a:ext>
+            </a:extLst>
+          </p:cNvPr>
+          <p:cNvPicPr>
+            <a:picLocks noChangeAspect="1"/>
+          </p:cNvPicPr>
+          <p:nvPr/>
+        </p:nvPicPr>
+        <p:blipFill>
+          <a:blip r:embed="rId5"/>
+          <a:stretch>
+            <a:fillRect/>
+          </a:stretch>
+        </p:blipFill>
+        <p:spPr>
+          <a:xfrm>
+            <a:off x="7894773" y="131008"/>
+            <a:ext cx="3772227" cy="2834886"/>
+          </a:xfrm>
+          <a:prstGeom prst="rect">
+            <a:avLst/>
+          </a:prstGeom>
+        </p:spPr>
+      </p:pic>
+      <p:pic>
+        <p:nvPicPr>
+          <p:cNvPr id="27" name="Imagen 26">
+            <a:extLst>
+              <a:ext uri="{FF2B5EF4-FFF2-40B4-BE49-F238E27FC236}">
+                <a16:creationId xmlns:a16="http://schemas.microsoft.com/office/drawing/2014/main" id="{23F98AAA-C19A-1598-2C9E-9DC9513445B3}"/>
+              </a:ext>
+            </a:extLst>
+          </p:cNvPr>
+          <p:cNvPicPr>
+            <a:picLocks noChangeAspect="1"/>
+          </p:cNvPicPr>
+          <p:nvPr/>
+        </p:nvPicPr>
+        <p:blipFill>
+          <a:blip r:embed="rId6"/>
+          <a:stretch>
+            <a:fillRect/>
+          </a:stretch>
+        </p:blipFill>
+        <p:spPr>
+          <a:xfrm>
+            <a:off x="7925658" y="3125169"/>
+            <a:ext cx="3749365" cy="2789162"/>
+          </a:xfrm>
+          <a:prstGeom prst="rect">
+            <a:avLst/>
+          </a:prstGeom>
+        </p:spPr>
+      </p:pic>
     </p:spTree>
     <p:extLst>
       <p:ext uri="{BB962C8B-B14F-4D97-AF65-F5344CB8AC3E}">
-        <p14:creationId xmlns:p14="http://schemas.microsoft.com/office/powerpoint/2010/main" val="120123057"/>
+        <p14:creationId xmlns:p14="http://schemas.microsoft.com/office/powerpoint/2010/main" val="3711880103"/>
+      </p:ext>
+    </p:extLst>
+  </p:cSld>
+  <p:clrMapOvr>
+    <a:masterClrMapping/>
+  </p:clrMapOvr>
+</p:sld>
+</file>
+
+<file path=ppt/slides/slide6.xml><?xml version="1.0" encoding="utf-8"?>
+<p:sld xmlns:a="http://schemas.openxmlformats.org/drawingml/2006/main" xmlns:r="http://schemas.openxmlformats.org/officeDocument/2006/relationships" xmlns:p="http://schemas.openxmlformats.org/presentationml/2006/main">
+  <p:cSld>
+    <p:spTree>
+      <p:nvGrpSpPr>
+        <p:cNvPr id="1" name=""/>
+        <p:cNvGrpSpPr/>
+        <p:nvPr/>
+      </p:nvGrpSpPr>
+      <p:grpSpPr>
+        <a:xfrm>
+          <a:off x="0" y="0"/>
+          <a:ext cx="0" cy="0"/>
+          <a:chOff x="0" y="0"/>
+          <a:chExt cx="0" cy="0"/>
+        </a:xfrm>
+      </p:grpSpPr>
+      <p:pic>
+        <p:nvPicPr>
+          <p:cNvPr id="3" name="Imagen 2">
+            <a:hlinkClick r:id="rId2"/>
+            <a:extLst>
+              <a:ext uri="{FF2B5EF4-FFF2-40B4-BE49-F238E27FC236}">
+                <a16:creationId xmlns:a16="http://schemas.microsoft.com/office/drawing/2014/main" id="{5B457818-E1E0-0EAD-464C-76335273F462}"/>
+              </a:ext>
+            </a:extLst>
+          </p:cNvPr>
+          <p:cNvPicPr>
+            <a:picLocks noChangeAspect="1"/>
+          </p:cNvPicPr>
+          <p:nvPr/>
+        </p:nvPicPr>
+        <p:blipFill>
+          <a:blip r:embed="rId3"/>
+          <a:stretch>
+            <a:fillRect/>
+          </a:stretch>
+        </p:blipFill>
+        <p:spPr>
+          <a:xfrm>
+            <a:off x="506245" y="150753"/>
+            <a:ext cx="11179509" cy="5829805"/>
+          </a:xfrm>
+          <a:prstGeom prst="rect">
+            <a:avLst/>
+          </a:prstGeom>
+        </p:spPr>
+      </p:pic>
+      <p:pic>
+        <p:nvPicPr>
+          <p:cNvPr id="5" name="Imagen 4">
+            <a:hlinkClick r:id="rId4"/>
+            <a:extLst>
+              <a:ext uri="{FF2B5EF4-FFF2-40B4-BE49-F238E27FC236}">
+                <a16:creationId xmlns:a16="http://schemas.microsoft.com/office/drawing/2014/main" id="{D9BF021C-6F40-BF57-FAEC-3777CD506CE1}"/>
+              </a:ext>
+            </a:extLst>
+          </p:cNvPr>
+          <p:cNvPicPr>
+            <a:picLocks noChangeAspect="1"/>
+          </p:cNvPicPr>
+          <p:nvPr/>
+        </p:nvPicPr>
+        <p:blipFill>
+          <a:blip r:embed="rId5"/>
+          <a:stretch>
+            <a:fillRect/>
+          </a:stretch>
+        </p:blipFill>
+        <p:spPr>
+          <a:xfrm>
+            <a:off x="181782" y="5189061"/>
+            <a:ext cx="1059839" cy="1582994"/>
+          </a:xfrm>
+          <a:prstGeom prst="rect">
+            <a:avLst/>
+          </a:prstGeom>
+          <a:ln w="76200">
+            <a:solidFill>
+              <a:srgbClr val="FF0000"/>
+            </a:solidFill>
+          </a:ln>
+        </p:spPr>
+      </p:pic>
+      <p:pic>
+        <p:nvPicPr>
+          <p:cNvPr id="6" name="Imagen 5">
+            <a:hlinkClick r:id="rId6"/>
+            <a:extLst>
+              <a:ext uri="{FF2B5EF4-FFF2-40B4-BE49-F238E27FC236}">
+                <a16:creationId xmlns:a16="http://schemas.microsoft.com/office/drawing/2014/main" id="{790E067F-9A93-40B0-EC97-1470F75A36BB}"/>
+              </a:ext>
+            </a:extLst>
+          </p:cNvPr>
+          <p:cNvPicPr>
+            <a:picLocks noChangeAspect="1"/>
+          </p:cNvPicPr>
+          <p:nvPr/>
+        </p:nvPicPr>
+        <p:blipFill rotWithShape="1">
+          <a:blip r:embed="rId7"/>
+          <a:srcRect l="20216" t="75079" r="18113" b="4786"/>
+          <a:stretch/>
+        </p:blipFill>
+        <p:spPr>
+          <a:xfrm>
+            <a:off x="4520124" y="5560210"/>
+            <a:ext cx="3151751" cy="1009385"/>
+          </a:xfrm>
+          <a:prstGeom prst="rect">
+            <a:avLst/>
+          </a:prstGeom>
+        </p:spPr>
+      </p:pic>
+    </p:spTree>
+    <p:extLst>
+      <p:ext uri="{BB962C8B-B14F-4D97-AF65-F5344CB8AC3E}">
+        <p14:creationId xmlns:p14="http://schemas.microsoft.com/office/powerpoint/2010/main" val="116852597"/>
+      </p:ext>
+    </p:extLst>
+  </p:cSld>
+  <p:clrMapOvr>
+    <a:masterClrMapping/>
+  </p:clrMapOvr>
+</p:sld>
+</file>
+
+<file path=ppt/slides/slide7.xml><?xml version="1.0" encoding="utf-8"?>
+<p:sld xmlns:a="http://schemas.openxmlformats.org/drawingml/2006/main" xmlns:r="http://schemas.openxmlformats.org/officeDocument/2006/relationships" xmlns:p="http://schemas.openxmlformats.org/presentationml/2006/main">
+  <p:cSld>
+    <p:spTree>
+      <p:nvGrpSpPr>
+        <p:cNvPr id="1" name=""/>
+        <p:cNvGrpSpPr/>
+        <p:nvPr/>
+      </p:nvGrpSpPr>
+      <p:grpSpPr>
+        <a:xfrm>
+          <a:off x="0" y="0"/>
+          <a:ext cx="0" cy="0"/>
+          <a:chOff x="0" y="0"/>
+          <a:chExt cx="0" cy="0"/>
+        </a:xfrm>
+      </p:grpSpPr>
+      <p:sp>
+        <p:nvSpPr>
+          <p:cNvPr id="12" name="Rectángulo 11">
+            <a:extLst>
+              <a:ext uri="{FF2B5EF4-FFF2-40B4-BE49-F238E27FC236}">
+                <a16:creationId xmlns:a16="http://schemas.microsoft.com/office/drawing/2014/main" id="{3745E77A-E295-6CB3-8080-30F204D07C3D}"/>
+              </a:ext>
+            </a:extLst>
+          </p:cNvPr>
+          <p:cNvSpPr/>
+          <p:nvPr/>
+        </p:nvSpPr>
+        <p:spPr>
+          <a:xfrm>
+            <a:off x="128898" y="34413"/>
+            <a:ext cx="4503174" cy="6789174"/>
+          </a:xfrm>
+          <a:prstGeom prst="rect">
+            <a:avLst/>
+          </a:prstGeom>
+        </p:spPr>
+        <p:style>
+          <a:lnRef idx="2">
+            <a:schemeClr val="accent1">
+              <a:shade val="15000"/>
+            </a:schemeClr>
+          </a:lnRef>
+          <a:fillRef idx="1">
+            <a:schemeClr val="accent1"/>
+          </a:fillRef>
+          <a:effectRef idx="0">
+            <a:schemeClr val="accent1"/>
+          </a:effectRef>
+          <a:fontRef idx="minor">
+            <a:schemeClr val="lt1"/>
+          </a:fontRef>
+        </p:style>
+        <p:txBody>
+          <a:bodyPr rtlCol="0" anchor="ctr"/>
+          <a:lstStyle/>
+          <a:p>
+            <a:pPr algn="ctr"/>
+            <a:endParaRPr lang="es-ES"/>
+          </a:p>
+        </p:txBody>
+      </p:sp>
+      <p:pic>
+        <p:nvPicPr>
+          <p:cNvPr id="4" name="Imagen 3">
+            <a:hlinkClick r:id="rId2"/>
+            <a:extLst>
+              <a:ext uri="{FF2B5EF4-FFF2-40B4-BE49-F238E27FC236}">
+                <a16:creationId xmlns:a16="http://schemas.microsoft.com/office/drawing/2014/main" id="{E227BFD9-E5CF-B777-F485-48AAD6F773FD}"/>
+              </a:ext>
+            </a:extLst>
+          </p:cNvPr>
+          <p:cNvPicPr>
+            <a:picLocks noChangeAspect="1"/>
+          </p:cNvPicPr>
+          <p:nvPr/>
+        </p:nvPicPr>
+        <p:blipFill>
+          <a:blip r:embed="rId3"/>
+          <a:stretch>
+            <a:fillRect/>
+          </a:stretch>
+        </p:blipFill>
+        <p:spPr>
+          <a:xfrm>
+            <a:off x="2049592" y="194618"/>
+            <a:ext cx="2439303" cy="2392776"/>
+          </a:xfrm>
+          <a:prstGeom prst="rect">
+            <a:avLst/>
+          </a:prstGeom>
+        </p:spPr>
+      </p:pic>
+      <p:pic>
+        <p:nvPicPr>
+          <p:cNvPr id="5" name="Imagen 4">
+            <a:extLst>
+              <a:ext uri="{FF2B5EF4-FFF2-40B4-BE49-F238E27FC236}">
+                <a16:creationId xmlns:a16="http://schemas.microsoft.com/office/drawing/2014/main" id="{DB9801FD-2A9B-90D7-C189-F7893D9603C9}"/>
+              </a:ext>
+            </a:extLst>
+          </p:cNvPr>
+          <p:cNvPicPr>
+            <a:picLocks noChangeAspect="1"/>
+          </p:cNvPicPr>
+          <p:nvPr/>
+        </p:nvPicPr>
+        <p:blipFill>
+          <a:blip r:embed="rId4"/>
+          <a:stretch>
+            <a:fillRect/>
+          </a:stretch>
+        </p:blipFill>
+        <p:spPr>
+          <a:xfrm>
+            <a:off x="347358" y="1807860"/>
+            <a:ext cx="1112616" cy="845893"/>
+          </a:xfrm>
+          <a:prstGeom prst="rect">
+            <a:avLst/>
+          </a:prstGeom>
+        </p:spPr>
+      </p:pic>
+      <p:pic>
+        <p:nvPicPr>
+          <p:cNvPr id="7" name="Imagen 6">
+            <a:extLst>
+              <a:ext uri="{FF2B5EF4-FFF2-40B4-BE49-F238E27FC236}">
+                <a16:creationId xmlns:a16="http://schemas.microsoft.com/office/drawing/2014/main" id="{5E294FAC-182B-947B-1870-B6293507C797}"/>
+              </a:ext>
+            </a:extLst>
+          </p:cNvPr>
+          <p:cNvPicPr>
+            <a:picLocks noChangeAspect="1"/>
+          </p:cNvPicPr>
+          <p:nvPr/>
+        </p:nvPicPr>
+        <p:blipFill>
+          <a:blip r:embed="rId5"/>
+          <a:stretch>
+            <a:fillRect/>
+          </a:stretch>
+        </p:blipFill>
+        <p:spPr>
+          <a:xfrm>
+            <a:off x="347358" y="2747598"/>
+            <a:ext cx="4122777" cy="4023709"/>
+          </a:xfrm>
+          <a:prstGeom prst="rect">
+            <a:avLst/>
+          </a:prstGeom>
+        </p:spPr>
+      </p:pic>
+      <p:pic>
+        <p:nvPicPr>
+          <p:cNvPr id="11" name="Imagen 10">
+            <a:extLst>
+              <a:ext uri="{FF2B5EF4-FFF2-40B4-BE49-F238E27FC236}">
+                <a16:creationId xmlns:a16="http://schemas.microsoft.com/office/drawing/2014/main" id="{D6F28CCA-4A47-C5FE-B08F-340E59139581}"/>
+              </a:ext>
+            </a:extLst>
+          </p:cNvPr>
+          <p:cNvPicPr>
+            <a:picLocks noChangeAspect="1"/>
+          </p:cNvPicPr>
+          <p:nvPr/>
+        </p:nvPicPr>
+        <p:blipFill>
+          <a:blip r:embed="rId6"/>
+          <a:stretch>
+            <a:fillRect/>
+          </a:stretch>
+        </p:blipFill>
+        <p:spPr>
+          <a:xfrm>
+            <a:off x="331167" y="671960"/>
+            <a:ext cx="1516156" cy="845893"/>
+          </a:xfrm>
+          <a:prstGeom prst="rect">
+            <a:avLst/>
+          </a:prstGeom>
+        </p:spPr>
+      </p:pic>
+      <p:sp>
+        <p:nvSpPr>
+          <p:cNvPr id="13" name="CuadroTexto 12">
+            <a:extLst>
+              <a:ext uri="{FF2B5EF4-FFF2-40B4-BE49-F238E27FC236}">
+                <a16:creationId xmlns:a16="http://schemas.microsoft.com/office/drawing/2014/main" id="{0BF3D6A1-5925-D433-97E8-2B046F500F58}"/>
+              </a:ext>
+            </a:extLst>
+          </p:cNvPr>
+          <p:cNvSpPr txBox="1"/>
+          <p:nvPr/>
+        </p:nvSpPr>
+        <p:spPr>
+          <a:xfrm>
+            <a:off x="4834341" y="-24579"/>
+            <a:ext cx="7118555" cy="7294305"/>
+          </a:xfrm>
+          <a:prstGeom prst="rect">
+            <a:avLst/>
+          </a:prstGeom>
+          <a:noFill/>
+        </p:spPr>
+        <p:txBody>
+          <a:bodyPr wrap="square" rtlCol="0">
+            <a:spAutoFit/>
+          </a:bodyPr>
+          <a:lstStyle/>
+          <a:p>
+            <a:r>
+              <a:rPr lang="es-ES" dirty="0"/>
+              <a:t>Hemos realizado una breve presentación del código.</a:t>
+            </a:r>
+          </a:p>
+          <a:p>
+            <a:endParaRPr lang="es-ES" dirty="0"/>
+          </a:p>
+          <a:p>
+            <a:r>
+              <a:rPr lang="es-ES" dirty="0" err="1"/>
+              <a:t>Jose</a:t>
+            </a:r>
+            <a:r>
+              <a:rPr lang="es-ES" dirty="0"/>
+              <a:t> se ha encargado de la introducción y función del programa.</a:t>
+            </a:r>
+          </a:p>
+          <a:p>
+            <a:r>
+              <a:rPr lang="es-ES" dirty="0"/>
+              <a:t>Aurora ha explicado cómo hemos trabajado y superado los retos que nos hemos encontrado durante el proceso.</a:t>
+            </a:r>
+          </a:p>
+          <a:p>
+            <a:r>
+              <a:rPr lang="es-ES" dirty="0"/>
+              <a:t>Yo he explicado el código, cuyas líneas claves están visibles y explicadas en la presentación del </a:t>
+            </a:r>
+            <a:r>
+              <a:rPr lang="es-ES" dirty="0" err="1">
+                <a:hlinkClick r:id="rId7"/>
+              </a:rPr>
+              <a:t>Figma</a:t>
+            </a:r>
+            <a:r>
+              <a:rPr lang="es-ES" dirty="0"/>
+              <a:t>.</a:t>
+            </a:r>
+          </a:p>
+          <a:p>
+            <a:endParaRPr lang="es-ES" dirty="0"/>
+          </a:p>
+          <a:p>
+            <a:r>
+              <a:rPr lang="es-ES" dirty="0"/>
+              <a:t>Hemos comentado entre todos que:</a:t>
+            </a:r>
+          </a:p>
+          <a:p>
+            <a:pPr marL="742950" lvl="1" indent="-285750">
+              <a:buFont typeface="Arial" panose="020B0604020202020204" pitchFamily="34" charset="0"/>
+              <a:buChar char="•"/>
+            </a:pPr>
+            <a:r>
+              <a:rPr lang="es-ES" dirty="0"/>
+              <a:t>Al inicio, utilizamos </a:t>
+            </a:r>
+            <a:r>
+              <a:rPr lang="es-ES" u="sng" dirty="0" err="1"/>
+              <a:t>ToggleButton</a:t>
+            </a:r>
+            <a:r>
+              <a:rPr lang="es-ES" dirty="0"/>
+              <a:t>, pero éstos no nos dejaban incluir imágenes, por lo que cambiamos a </a:t>
+            </a:r>
+            <a:r>
+              <a:rPr lang="es-ES" dirty="0" err="1"/>
+              <a:t>Jbutton</a:t>
+            </a:r>
+            <a:r>
+              <a:rPr lang="es-ES" dirty="0"/>
+              <a:t>.</a:t>
+            </a:r>
+          </a:p>
+          <a:p>
+            <a:pPr marL="742950" lvl="1" indent="-285750">
+              <a:buFont typeface="Arial" panose="020B0604020202020204" pitchFamily="34" charset="0"/>
+              <a:buChar char="•"/>
+            </a:pPr>
+            <a:r>
+              <a:rPr lang="es-ES" dirty="0"/>
+              <a:t>Empezamos a trabajar con imágenes, las cuales se duplicaban para formar parejas.</a:t>
+            </a:r>
+          </a:p>
+          <a:p>
+            <a:pPr marL="742950" lvl="1" indent="-285750">
+              <a:buFont typeface="Arial" panose="020B0604020202020204" pitchFamily="34" charset="0"/>
+              <a:buChar char="•"/>
+            </a:pPr>
+            <a:r>
+              <a:rPr lang="es-ES" dirty="0"/>
+              <a:t>Pasamos de cargar las imágenes desde local a una DB.</a:t>
+            </a:r>
+          </a:p>
+          <a:p>
+            <a:pPr marL="742950" lvl="1" indent="-285750">
+              <a:buFont typeface="Arial" panose="020B0604020202020204" pitchFamily="34" charset="0"/>
+              <a:buChar char="•"/>
+            </a:pPr>
+            <a:r>
+              <a:rPr lang="es-ES" dirty="0"/>
+              <a:t>La DB (</a:t>
+            </a:r>
+            <a:r>
+              <a:rPr lang="es-ES" dirty="0" err="1"/>
+              <a:t>DB_images</a:t>
+            </a:r>
+            <a:r>
+              <a:rPr lang="es-ES" dirty="0"/>
+              <a:t>) no era compartida; la íbamos actualizando mediante </a:t>
+            </a:r>
+            <a:r>
+              <a:rPr lang="es-ES" i="1" dirty="0" err="1"/>
+              <a:t>export</a:t>
+            </a:r>
+            <a:r>
+              <a:rPr lang="es-ES" dirty="0"/>
+              <a:t> e </a:t>
+            </a:r>
+            <a:r>
+              <a:rPr lang="es-ES" i="1" dirty="0" err="1"/>
+              <a:t>import</a:t>
+            </a:r>
+            <a:r>
+              <a:rPr lang="es-ES" dirty="0"/>
+              <a:t> de </a:t>
+            </a:r>
+            <a:r>
+              <a:rPr lang="es-ES" dirty="0" err="1"/>
+              <a:t>queries</a:t>
+            </a:r>
+            <a:r>
+              <a:rPr lang="es-ES" dirty="0"/>
+              <a:t>.</a:t>
+            </a:r>
+          </a:p>
+          <a:p>
+            <a:pPr marL="742950" lvl="1" indent="-285750">
+              <a:buFont typeface="Arial" panose="020B0604020202020204" pitchFamily="34" charset="0"/>
+              <a:buChar char="•"/>
+            </a:pPr>
+            <a:r>
+              <a:rPr lang="es-ES" dirty="0"/>
+              <a:t>Tuvimos algunos problemas con el tamaño de las imágenes, pero pudimos solventarlo.</a:t>
+            </a:r>
+          </a:p>
+          <a:p>
+            <a:endParaRPr lang="es-ES" dirty="0"/>
+          </a:p>
+          <a:p>
+            <a:r>
+              <a:rPr lang="es-ES" dirty="0"/>
+              <a:t>Como mejora, podríamos haber añadido un modo 2 jugadores, en el cual, al acertar parejas consecutivas, se contase el intento al fallar o ganar, por lo que podríamos añadir un contador de parejas (J1 vs J2).</a:t>
+            </a:r>
+          </a:p>
+          <a:p>
+            <a:r>
+              <a:rPr lang="es-ES" dirty="0"/>
+              <a:t>También, aprovechando la DB, podríamos generar un histórico a modo de Récord de intentos, donde se guardase el récord con menor intentos y se sobrescribiera si se superase.</a:t>
+            </a:r>
+          </a:p>
+        </p:txBody>
+      </p:sp>
+    </p:spTree>
+    <p:extLst>
+      <p:ext uri="{BB962C8B-B14F-4D97-AF65-F5344CB8AC3E}">
+        <p14:creationId xmlns:p14="http://schemas.microsoft.com/office/powerpoint/2010/main" val="3035771601"/>
       </p:ext>
     </p:extLst>
   </p:cSld>
